--- a/專題簡報/Yi.pptx
+++ b/專題簡報/Yi.pptx
@@ -18,7 +18,7 @@
     <p:sldId id="334" r:id="rId9"/>
     <p:sldId id="330" r:id="rId10"/>
     <p:sldId id="337" r:id="rId11"/>
-    <p:sldId id="339" r:id="rId12"/>
+    <p:sldId id="341" r:id="rId12"/>
     <p:sldId id="338" r:id="rId13"/>
     <p:sldId id="331" r:id="rId14"/>
   </p:sldIdLst>
@@ -1042,7 +1042,7 @@
     </p:spTree>
     <p:extLst>
       <p:ext uri="{BB962C8B-B14F-4D97-AF65-F5344CB8AC3E}">
-        <p14:creationId xmlns:p14="http://schemas.microsoft.com/office/powerpoint/2010/main" val="1813535875"/>
+        <p14:creationId xmlns:p14="http://schemas.microsoft.com/office/powerpoint/2010/main" val="1852424509"/>
       </p:ext>
     </p:extLst>
   </p:cSld>
@@ -12042,8 +12042,8 @@
         </p:nvSpPr>
         <p:spPr>
           <a:xfrm>
-            <a:off x="817356" y="1428964"/>
-            <a:ext cx="2355960" cy="2640528"/>
+            <a:off x="717620" y="2163216"/>
+            <a:ext cx="3335397" cy="2013367"/>
           </a:xfrm>
           <a:prstGeom prst="rect">
             <a:avLst/>
@@ -12287,7 +12287,37 @@
             </a:lvl9pPr>
           </a:lstStyle>
           <a:p>
-            <a:pPr marL="0" indent="0" algn="dist">
+            <a:pPr marL="0" indent="0">
+              <a:spcAft>
+                <a:spcPts val="1200"/>
+              </a:spcAft>
+              <a:buFont typeface="Arial"/>
+              <a:buNone/>
+            </a:pPr>
+            <a:r>
+              <a:rPr lang="zh-TW" altLang="en-US" sz="1800" b="1" dirty="0">
+                <a:solidFill>
+                  <a:schemeClr val="accent4">
+                    <a:lumMod val="50000"/>
+                  </a:schemeClr>
+                </a:solidFill>
+                <a:latin typeface="微軟正黑體" panose="020B0604030504040204" pitchFamily="34" charset="-120"/>
+                <a:ea typeface="微軟正黑體" panose="020B0604030504040204" pitchFamily="34" charset="-120"/>
+              </a:rPr>
+              <a:t>問題：</a:t>
+            </a:r>
+            <a:endParaRPr lang="en-US" altLang="zh-TW" sz="1800" b="1" dirty="0">
+              <a:solidFill>
+                <a:schemeClr val="accent4">
+                  <a:lumMod val="50000"/>
+                </a:schemeClr>
+              </a:solidFill>
+              <a:latin typeface="微軟正黑體" panose="020B0604030504040204" pitchFamily="34" charset="-120"/>
+              <a:ea typeface="微軟正黑體" panose="020B0604030504040204" pitchFamily="34" charset="-120"/>
+            </a:endParaRPr>
+          </a:p>
+          <a:p>
+            <a:pPr marL="0" indent="0">
               <a:spcAft>
                 <a:spcPts val="1200"/>
               </a:spcAft>
@@ -12304,7 +12334,7 @@
                 <a:latin typeface="微軟正黑體" panose="020B0604030504040204" pitchFamily="34" charset="-120"/>
                 <a:ea typeface="微軟正黑體" panose="020B0604030504040204" pitchFamily="34" charset="-120"/>
               </a:rPr>
-              <a:t>問題與解決方法</a:t>
+              <a:t>鄰近的測站，數值落差過大，數據的判讀不易。</a:t>
             </a:r>
             <a:endParaRPr lang="en-US" altLang="zh-TW" sz="1200" b="1" dirty="0">
               <a:solidFill>
@@ -12317,7 +12347,37 @@
             </a:endParaRPr>
           </a:p>
           <a:p>
-            <a:pPr marL="0" indent="0" algn="dist">
+            <a:pPr marL="0" indent="0">
+              <a:spcAft>
+                <a:spcPts val="1200"/>
+              </a:spcAft>
+              <a:buFont typeface="Arial"/>
+              <a:buNone/>
+            </a:pPr>
+            <a:r>
+              <a:rPr lang="zh-TW" altLang="en-US" sz="1800" b="1" dirty="0">
+                <a:solidFill>
+                  <a:schemeClr val="accent4">
+                    <a:lumMod val="50000"/>
+                  </a:schemeClr>
+                </a:solidFill>
+                <a:latin typeface="微軟正黑體" panose="020B0604030504040204" pitchFamily="34" charset="-120"/>
+                <a:ea typeface="微軟正黑體" panose="020B0604030504040204" pitchFamily="34" charset="-120"/>
+              </a:rPr>
+              <a:t>解決辦法：</a:t>
+            </a:r>
+            <a:endParaRPr lang="en-US" altLang="zh-TW" sz="1800" b="1" dirty="0">
+              <a:solidFill>
+                <a:schemeClr val="accent4">
+                  <a:lumMod val="50000"/>
+                </a:schemeClr>
+              </a:solidFill>
+              <a:latin typeface="微軟正黑體" panose="020B0604030504040204" pitchFamily="34" charset="-120"/>
+              <a:ea typeface="微軟正黑體" panose="020B0604030504040204" pitchFamily="34" charset="-120"/>
+            </a:endParaRPr>
+          </a:p>
+          <a:p>
+            <a:pPr marL="0" indent="0">
               <a:spcAft>
                 <a:spcPts val="1200"/>
               </a:spcAft>
@@ -12334,8 +12394,26 @@
                 <a:latin typeface="微軟正黑體" panose="020B0604030504040204" pitchFamily="34" charset="-120"/>
                 <a:ea typeface="微軟正黑體" panose="020B0604030504040204" pitchFamily="34" charset="-120"/>
               </a:rPr>
-              <a:t>商業模式</a:t>
+              <a:t>觀察後，發現數值雖有落差，但趨勢相符，判定係因感測器敏感值調整的問題，可由參數上的調整使其回歸正常。</a:t>
             </a:r>
+            <a:endParaRPr lang="en-US" altLang="zh-TW" sz="1800" b="1" dirty="0">
+              <a:solidFill>
+                <a:schemeClr val="accent4">
+                  <a:lumMod val="50000"/>
+                </a:schemeClr>
+              </a:solidFill>
+              <a:latin typeface="微軟正黑體" panose="020B0604030504040204" pitchFamily="34" charset="-120"/>
+              <a:ea typeface="微軟正黑體" panose="020B0604030504040204" pitchFamily="34" charset="-120"/>
+            </a:endParaRPr>
+          </a:p>
+          <a:p>
+            <a:pPr marL="0" indent="0">
+              <a:spcAft>
+                <a:spcPts val="1200"/>
+              </a:spcAft>
+              <a:buFont typeface="Arial"/>
+              <a:buNone/>
+            </a:pPr>
             <a:endParaRPr lang="en-US" altLang="zh-TW" sz="1200" b="1" dirty="0">
               <a:solidFill>
                 <a:schemeClr val="accent4">
@@ -12347,32 +12425,84 @@
             </a:endParaRPr>
           </a:p>
           <a:p>
-            <a:pPr marL="0" indent="0" algn="dist">
+            <a:pPr marL="0" indent="0">
               <a:spcAft>
                 <a:spcPts val="1200"/>
               </a:spcAft>
               <a:buFont typeface="Arial"/>
               <a:buNone/>
+            </a:pPr>
+            <a:endParaRPr lang="zh-TW" altLang="en-US" sz="1200" b="1" dirty="0">
+              <a:solidFill>
+                <a:schemeClr val="accent4">
+                  <a:lumMod val="50000"/>
+                </a:schemeClr>
+              </a:solidFill>
+              <a:latin typeface="微軟正黑體" panose="020B0604030504040204" pitchFamily="34" charset="-120"/>
+              <a:ea typeface="微軟正黑體" panose="020B0604030504040204" pitchFamily="34" charset="-120"/>
+            </a:endParaRPr>
+          </a:p>
+        </p:txBody>
+      </p:sp>
+      <p:sp>
+        <p:nvSpPr>
+          <p:cNvPr id="7" name="Google Shape;589;p58">
+            <a:extLst>
+              <a:ext uri="{FF2B5EF4-FFF2-40B4-BE49-F238E27FC236}">
+                <a16:creationId xmlns:a16="http://schemas.microsoft.com/office/drawing/2014/main" id="{9890E25F-0A9C-D545-A82D-0BE1216D7E91}"/>
+              </a:ext>
+            </a:extLst>
+          </p:cNvPr>
+          <p:cNvSpPr txBox="1">
+            <a:spLocks noGrp="1"/>
+          </p:cNvSpPr>
+          <p:nvPr>
+            <p:ph type="title"/>
+          </p:nvPr>
+        </p:nvSpPr>
+        <p:spPr>
+          <a:xfrm>
+            <a:off x="626253" y="1341649"/>
+            <a:ext cx="3426764" cy="566400"/>
+          </a:xfrm>
+          <a:prstGeom prst="rect">
+            <a:avLst/>
+          </a:prstGeom>
+        </p:spPr>
+        <p:txBody>
+          <a:bodyPr spcFirstLastPara="1" wrap="square" lIns="91425" tIns="91425" rIns="91425" bIns="91425" anchor="t" anchorCtr="0">
+            <a:noAutofit/>
+          </a:bodyPr>
+          <a:lstStyle/>
+          <a:p>
+            <a:pPr algn="dist">
+              <a:spcAft>
+                <a:spcPts val="1200"/>
+              </a:spcAft>
             </a:pPr>
             <a:r>
-              <a:rPr lang="zh-TW" altLang="en-US" sz="1200" b="1" dirty="0">
-                <a:solidFill>
-                  <a:schemeClr val="accent4">
-                    <a:lumMod val="50000"/>
-                  </a:schemeClr>
-                </a:solidFill>
+              <a:rPr lang="zh-TW" altLang="en-US" sz="3600" dirty="0">
                 <a:latin typeface="微軟正黑體" panose="020B0604030504040204" pitchFamily="34" charset="-120"/>
                 <a:ea typeface="微軟正黑體" panose="020B0604030504040204" pitchFamily="34" charset="-120"/>
               </a:rPr>
-              <a:t>未來展望與優化</a:t>
+              <a:t>問題與解決方法</a:t>
             </a:r>
+            <a:endParaRPr lang="zh-TW" altLang="en-US" sz="3600" dirty="0">
+              <a:solidFill>
+                <a:schemeClr val="accent4">
+                  <a:lumMod val="50000"/>
+                </a:schemeClr>
+              </a:solidFill>
+              <a:latin typeface="微軟正黑體" panose="020B0604030504040204" pitchFamily="34" charset="-120"/>
+              <a:ea typeface="微軟正黑體" panose="020B0604030504040204" pitchFamily="34" charset="-120"/>
+            </a:endParaRPr>
           </a:p>
         </p:txBody>
       </p:sp>
     </p:spTree>
     <p:extLst>
       <p:ext uri="{BB962C8B-B14F-4D97-AF65-F5344CB8AC3E}">
-        <p14:creationId xmlns:p14="http://schemas.microsoft.com/office/powerpoint/2010/main" val="58568633"/>
+        <p14:creationId xmlns:p14="http://schemas.microsoft.com/office/powerpoint/2010/main" val="2283589121"/>
       </p:ext>
     </p:extLst>
   </p:cSld>
@@ -12892,8 +13022,8 @@
         </p:nvSpPr>
         <p:spPr>
           <a:xfrm>
-            <a:off x="817356" y="1428964"/>
-            <a:ext cx="2355960" cy="2640528"/>
+            <a:off x="717620" y="2163217"/>
+            <a:ext cx="3335397" cy="1566606"/>
           </a:xfrm>
           <a:prstGeom prst="rect">
             <a:avLst/>
@@ -13137,7 +13267,7 @@
             </a:lvl9pPr>
           </a:lstStyle>
           <a:p>
-            <a:pPr marL="0" indent="0" algn="dist">
+            <a:pPr marL="0" indent="0">
               <a:spcAft>
                 <a:spcPts val="1200"/>
               </a:spcAft>
@@ -13154,9 +13284,151 @@
                 <a:latin typeface="微軟正黑體" panose="020B0604030504040204" pitchFamily="34" charset="-120"/>
                 <a:ea typeface="微軟正黑體" panose="020B0604030504040204" pitchFamily="34" charset="-120"/>
               </a:rPr>
-              <a:t>拋磚引玉</a:t>
+              <a:t>本次專題設計的</a:t>
             </a:r>
-            <a:endParaRPr lang="en-US" altLang="zh-TW" sz="1200" b="1" dirty="0">
+            <a:r>
+              <a:rPr lang="en-US" altLang="zh-TW" sz="1200" b="1" dirty="0">
+                <a:solidFill>
+                  <a:schemeClr val="accent4">
+                    <a:lumMod val="50000"/>
+                  </a:schemeClr>
+                </a:solidFill>
+                <a:latin typeface="微軟正黑體" panose="020B0604030504040204" pitchFamily="34" charset="-120"/>
+                <a:ea typeface="微軟正黑體" panose="020B0604030504040204" pitchFamily="34" charset="-120"/>
+              </a:rPr>
+              <a:t>IoT</a:t>
+            </a:r>
+            <a:r>
+              <a:rPr lang="zh-TW" altLang="en-US" sz="1200" b="1" dirty="0">
+                <a:solidFill>
+                  <a:schemeClr val="accent4">
+                    <a:lumMod val="50000"/>
+                  </a:schemeClr>
+                </a:solidFill>
+                <a:latin typeface="微軟正黑體" panose="020B0604030504040204" pitchFamily="34" charset="-120"/>
+                <a:ea typeface="微軟正黑體" panose="020B0604030504040204" pitchFamily="34" charset="-120"/>
+              </a:rPr>
+              <a:t>裝置落地是以</a:t>
+            </a:r>
+            <a:r>
+              <a:rPr lang="en-US" altLang="zh-TW" sz="1200" b="1" dirty="0">
+                <a:solidFill>
+                  <a:schemeClr val="accent4">
+                    <a:lumMod val="50000"/>
+                  </a:schemeClr>
+                </a:solidFill>
+                <a:latin typeface="微軟正黑體" panose="020B0604030504040204" pitchFamily="34" charset="-120"/>
+                <a:ea typeface="微軟正黑體" panose="020B0604030504040204" pitchFamily="34" charset="-120"/>
+              </a:rPr>
+              <a:t>5V</a:t>
+            </a:r>
+            <a:r>
+              <a:rPr lang="zh-TW" altLang="en-US" sz="1200" b="1" dirty="0">
+                <a:solidFill>
+                  <a:schemeClr val="accent4">
+                    <a:lumMod val="50000"/>
+                  </a:schemeClr>
+                </a:solidFill>
+                <a:latin typeface="微軟正黑體" panose="020B0604030504040204" pitchFamily="34" charset="-120"/>
+                <a:ea typeface="微軟正黑體" panose="020B0604030504040204" pitchFamily="34" charset="-120"/>
+              </a:rPr>
+              <a:t>電源供電，如果能加裝太陽能板供電並設置</a:t>
+            </a:r>
+            <a:r>
+              <a:rPr lang="en-US" altLang="zh-TW" sz="1200" b="1" dirty="0">
+                <a:solidFill>
+                  <a:schemeClr val="accent4">
+                    <a:lumMod val="50000"/>
+                  </a:schemeClr>
+                </a:solidFill>
+                <a:latin typeface="微軟正黑體" panose="020B0604030504040204" pitchFamily="34" charset="-120"/>
+                <a:ea typeface="微軟正黑體" panose="020B0604030504040204" pitchFamily="34" charset="-120"/>
+              </a:rPr>
+              <a:t>Esp32</a:t>
+            </a:r>
+            <a:r>
+              <a:rPr lang="zh-TW" altLang="en-US" sz="1200" b="1" dirty="0">
+                <a:solidFill>
+                  <a:schemeClr val="accent4">
+                    <a:lumMod val="50000"/>
+                  </a:schemeClr>
+                </a:solidFill>
+                <a:latin typeface="微軟正黑體" panose="020B0604030504040204" pitchFamily="34" charset="-120"/>
+                <a:ea typeface="微軟正黑體" panose="020B0604030504040204" pitchFamily="34" charset="-120"/>
+              </a:rPr>
+              <a:t>擁有自動休眠模式，得提昇裝置的使用與耐久性，並搭配</a:t>
+            </a:r>
+            <a:r>
+              <a:rPr lang="en-US" altLang="zh-TW" sz="1200" b="1" dirty="0">
+                <a:solidFill>
+                  <a:schemeClr val="accent4">
+                    <a:lumMod val="50000"/>
+                  </a:schemeClr>
+                </a:solidFill>
+                <a:latin typeface="微軟正黑體" panose="020B0604030504040204" pitchFamily="34" charset="-120"/>
+                <a:ea typeface="微軟正黑體" panose="020B0604030504040204" pitchFamily="34" charset="-120"/>
+              </a:rPr>
+              <a:t>LCD</a:t>
+            </a:r>
+            <a:r>
+              <a:rPr lang="zh-TW" altLang="en-US" sz="1200" b="1" dirty="0">
+                <a:solidFill>
+                  <a:schemeClr val="accent4">
+                    <a:lumMod val="50000"/>
+                  </a:schemeClr>
+                </a:solidFill>
+                <a:latin typeface="微軟正黑體" panose="020B0604030504040204" pitchFamily="34" charset="-120"/>
+                <a:ea typeface="微軟正黑體" panose="020B0604030504040204" pitchFamily="34" charset="-120"/>
+              </a:rPr>
+              <a:t>顯示器，讓一般家庭都能輕鬆擁有，使裝置更為普，且數據得以更加貼近日常生活環境。</a:t>
+            </a:r>
+          </a:p>
+        </p:txBody>
+      </p:sp>
+      <p:sp>
+        <p:nvSpPr>
+          <p:cNvPr id="7" name="Google Shape;589;p58">
+            <a:extLst>
+              <a:ext uri="{FF2B5EF4-FFF2-40B4-BE49-F238E27FC236}">
+                <a16:creationId xmlns:a16="http://schemas.microsoft.com/office/drawing/2014/main" id="{9890E25F-0A9C-D545-A82D-0BE1216D7E91}"/>
+              </a:ext>
+            </a:extLst>
+          </p:cNvPr>
+          <p:cNvSpPr txBox="1">
+            <a:spLocks noGrp="1"/>
+          </p:cNvSpPr>
+          <p:nvPr>
+            <p:ph type="title"/>
+          </p:nvPr>
+        </p:nvSpPr>
+        <p:spPr>
+          <a:xfrm>
+            <a:off x="626253" y="1341649"/>
+            <a:ext cx="3426764" cy="566400"/>
+          </a:xfrm>
+          <a:prstGeom prst="rect">
+            <a:avLst/>
+          </a:prstGeom>
+        </p:spPr>
+        <p:txBody>
+          <a:bodyPr spcFirstLastPara="1" wrap="square" lIns="91425" tIns="91425" rIns="91425" bIns="91425" anchor="t" anchorCtr="0">
+            <a:noAutofit/>
+          </a:bodyPr>
+          <a:lstStyle/>
+          <a:p>
+            <a:pPr algn="dist">
+              <a:spcAft>
+                <a:spcPts val="1200"/>
+              </a:spcAft>
+            </a:pPr>
+            <a:r>
+              <a:rPr lang="zh-TW" altLang="en-US" sz="3600" dirty="0">
+                <a:latin typeface="微軟正黑體" panose="020B0604030504040204" pitchFamily="34" charset="-120"/>
+                <a:ea typeface="微軟正黑體" panose="020B0604030504040204" pitchFamily="34" charset="-120"/>
+              </a:rPr>
+              <a:t>未來展望與優化</a:t>
+            </a:r>
+            <a:endParaRPr lang="zh-TW" altLang="en-US" sz="3600" dirty="0">
               <a:solidFill>
                 <a:schemeClr val="accent4">
                   <a:lumMod val="50000"/>
@@ -13165,57 +13437,6 @@
               <a:latin typeface="微軟正黑體" panose="020B0604030504040204" pitchFamily="34" charset="-120"/>
               <a:ea typeface="微軟正黑體" panose="020B0604030504040204" pitchFamily="34" charset="-120"/>
             </a:endParaRPr>
-          </a:p>
-          <a:p>
-            <a:pPr marL="0" indent="0" algn="dist">
-              <a:spcAft>
-                <a:spcPts val="1200"/>
-              </a:spcAft>
-              <a:buFont typeface="Arial"/>
-              <a:buNone/>
-            </a:pPr>
-            <a:r>
-              <a:rPr lang="zh-TW" altLang="en-US" sz="1200" b="1" dirty="0">
-                <a:solidFill>
-                  <a:schemeClr val="accent4">
-                    <a:lumMod val="50000"/>
-                  </a:schemeClr>
-                </a:solidFill>
-                <a:latin typeface="微軟正黑體" panose="020B0604030504040204" pitchFamily="34" charset="-120"/>
-                <a:ea typeface="微軟正黑體" panose="020B0604030504040204" pitchFamily="34" charset="-120"/>
-              </a:rPr>
-              <a:t>更深入地挖掘</a:t>
-            </a:r>
-            <a:endParaRPr lang="en-US" altLang="zh-TW" sz="1200" b="1" dirty="0">
-              <a:solidFill>
-                <a:schemeClr val="accent4">
-                  <a:lumMod val="50000"/>
-                </a:schemeClr>
-              </a:solidFill>
-              <a:latin typeface="微軟正黑體" panose="020B0604030504040204" pitchFamily="34" charset="-120"/>
-              <a:ea typeface="微軟正黑體" panose="020B0604030504040204" pitchFamily="34" charset="-120"/>
-            </a:endParaRPr>
-          </a:p>
-          <a:p>
-            <a:pPr marL="0" indent="0" algn="dist">
-              <a:spcAft>
-                <a:spcPts val="1200"/>
-              </a:spcAft>
-              <a:buFont typeface="Arial"/>
-              <a:buNone/>
-            </a:pPr>
-            <a:r>
-              <a:rPr lang="zh-TW" altLang="en-US" sz="1200" b="1" dirty="0">
-                <a:solidFill>
-                  <a:schemeClr val="accent4">
-                    <a:lumMod val="50000"/>
-                  </a:schemeClr>
-                </a:solidFill>
-                <a:latin typeface="微軟正黑體" panose="020B0604030504040204" pitchFamily="34" charset="-120"/>
-                <a:ea typeface="微軟正黑體" panose="020B0604030504040204" pitchFamily="34" charset="-120"/>
-              </a:rPr>
-              <a:t>只有想不到沒有做不到</a:t>
-            </a:r>
           </a:p>
         </p:txBody>
       </p:sp>
@@ -21130,8 +21351,8 @@
           </a:p>
         </p:txBody>
       </p:sp>
-      <mc:AlternateContent xmlns:mc="http://schemas.openxmlformats.org/markup-compatibility/2006">
-        <mc:Choice xmlns:a14="http://schemas.microsoft.com/office/drawing/2010/main" Requires="a14">
+      <mc:AlternateContent xmlns:mc="http://schemas.openxmlformats.org/markup-compatibility/2006" xmlns:a14="http://schemas.microsoft.com/office/drawing/2010/main">
+        <mc:Choice Requires="a14">
           <p:sp>
             <p:nvSpPr>
               <p:cNvPr id="3" name="文字方塊 2">
@@ -21160,6 +21381,7 @@
               </a:bodyPr>
               <a:lstStyle/>
               <a:p>
+                <a:pPr/>
                 <a14:m>
                   <m:oMathPara xmlns:m="http://schemas.openxmlformats.org/officeDocument/2006/math">
                     <m:oMathParaPr>
@@ -21187,7 +21409,7 @@
             </p:txBody>
           </p:sp>
         </mc:Choice>
-        <mc:Fallback>
+        <mc:Fallback xmlns="">
           <p:sp>
             <p:nvSpPr>
               <p:cNvPr id="3" name="文字方塊 2">
